--- a/设计器/一号设计器.pptx
+++ b/设计器/一号设计器.pptx
@@ -9,6 +9,7 @@
     <p:sldId id="258" r:id="rId3"/>
     <p:sldId id="259" r:id="rId4"/>
     <p:sldId id="257" r:id="rId5"/>
+    <p:sldId id="260" r:id="rId6"/>
   </p:sldIdLst>
   <p:sldSz cx="12192000" cy="6858000"/>
   <p:notesSz cx="6858000" cy="9144000"/>
@@ -3413,7 +3414,7 @@
         </p:blipFill>
         <p:spPr>
           <a:xfrm>
-            <a:off x="-3409524" y="2892602"/>
+            <a:off x="3418878" y="500330"/>
             <a:ext cx="3409524" cy="5200000"/>
           </a:xfrm>
           <a:prstGeom prst="rect">
@@ -5302,10 +5303,1061 @@
           <a:chExt cx="0" cy="0"/>
         </a:xfrm>
       </p:grpSpPr>
+      <p:pic>
+        <p:nvPicPr>
+          <p:cNvPr id="2" name="图片 1">
+            <a:extLst>
+              <a:ext uri="{FF2B5EF4-FFF2-40B4-BE49-F238E27FC236}">
+                <a16:creationId xmlns:a16="http://schemas.microsoft.com/office/drawing/2014/main" id="{56E14EA5-A1F0-4025-A749-7C052A4332F6}"/>
+              </a:ext>
+            </a:extLst>
+          </p:cNvPr>
+          <p:cNvPicPr>
+            <a:picLocks noChangeAspect="1"/>
+          </p:cNvPicPr>
+          <p:nvPr/>
+        </p:nvPicPr>
+        <p:blipFill>
+          <a:blip r:embed="rId2"/>
+          <a:stretch>
+            <a:fillRect/>
+          </a:stretch>
+        </p:blipFill>
+        <p:spPr>
+          <a:xfrm>
+            <a:off x="4348599" y="0"/>
+            <a:ext cx="3494802" cy="6858000"/>
+          </a:xfrm>
+          <a:prstGeom prst="rect">
+            <a:avLst/>
+          </a:prstGeom>
+        </p:spPr>
+      </p:pic>
     </p:spTree>
     <p:extLst>
       <p:ext uri="{BB962C8B-B14F-4D97-AF65-F5344CB8AC3E}">
         <p14:creationId xmlns:p14="http://schemas.microsoft.com/office/powerpoint/2010/main" val="621283905"/>
+      </p:ext>
+    </p:extLst>
+  </p:cSld>
+  <p:clrMapOvr>
+    <a:masterClrMapping/>
+  </p:clrMapOvr>
+</p:sld>
+</file>
+
+<file path=ppt/slides/slide5.xml><?xml version="1.0" encoding="utf-8"?>
+<p:sld xmlns:a="http://schemas.openxmlformats.org/drawingml/2006/main" xmlns:r="http://schemas.openxmlformats.org/officeDocument/2006/relationships" xmlns:p="http://schemas.openxmlformats.org/presentationml/2006/main">
+  <p:cSld>
+    <p:bg>
+      <p:bgPr>
+        <a:solidFill>
+          <a:schemeClr val="bg1">
+            <a:lumMod val="65000"/>
+          </a:schemeClr>
+        </a:solidFill>
+        <a:effectLst/>
+      </p:bgPr>
+    </p:bg>
+    <p:spTree>
+      <p:nvGrpSpPr>
+        <p:cNvPr id="1" name=""/>
+        <p:cNvGrpSpPr/>
+        <p:nvPr/>
+      </p:nvGrpSpPr>
+      <p:grpSpPr>
+        <a:xfrm>
+          <a:off x="0" y="0"/>
+          <a:ext cx="0" cy="0"/>
+          <a:chOff x="0" y="0"/>
+          <a:chExt cx="0" cy="0"/>
+        </a:xfrm>
+      </p:grpSpPr>
+      <p:pic>
+        <p:nvPicPr>
+          <p:cNvPr id="2" name="图片 1">
+            <a:extLst>
+              <a:ext uri="{FF2B5EF4-FFF2-40B4-BE49-F238E27FC236}">
+                <a16:creationId xmlns:a16="http://schemas.microsoft.com/office/drawing/2014/main" id="{56E14EA5-A1F0-4025-A749-7C052A4332F6}"/>
+              </a:ext>
+            </a:extLst>
+          </p:cNvPr>
+          <p:cNvPicPr>
+            <a:picLocks noChangeAspect="1"/>
+          </p:cNvPicPr>
+          <p:nvPr/>
+        </p:nvPicPr>
+        <p:blipFill>
+          <a:blip r:embed="rId2"/>
+          <a:stretch>
+            <a:fillRect/>
+          </a:stretch>
+        </p:blipFill>
+        <p:spPr>
+          <a:xfrm>
+            <a:off x="4348599" y="0"/>
+            <a:ext cx="3494802" cy="6858000"/>
+          </a:xfrm>
+          <a:prstGeom prst="rect">
+            <a:avLst/>
+          </a:prstGeom>
+        </p:spPr>
+      </p:pic>
+      <p:pic>
+        <p:nvPicPr>
+          <p:cNvPr id="18" name="图片 17">
+            <a:extLst>
+              <a:ext uri="{FF2B5EF4-FFF2-40B4-BE49-F238E27FC236}">
+                <a16:creationId xmlns:a16="http://schemas.microsoft.com/office/drawing/2014/main" id="{700D25C0-159A-4117-9CE0-33E32309F360}"/>
+              </a:ext>
+            </a:extLst>
+          </p:cNvPr>
+          <p:cNvPicPr>
+            <a:picLocks noChangeAspect="1"/>
+          </p:cNvPicPr>
+          <p:nvPr/>
+        </p:nvPicPr>
+        <p:blipFill>
+          <a:blip r:embed="rId3">
+            <a:extLst>
+              <a:ext uri="{28A0092B-C50C-407E-A947-70E740481C1C}">
+                <a14:useLocalDpi xmlns:a14="http://schemas.microsoft.com/office/drawing/2010/main" val="0"/>
+              </a:ext>
+            </a:extLst>
+          </a:blip>
+          <a:stretch>
+            <a:fillRect/>
+          </a:stretch>
+        </p:blipFill>
+        <p:spPr>
+          <a:xfrm>
+            <a:off x="6573032" y="3016968"/>
+            <a:ext cx="441327" cy="441327"/>
+          </a:xfrm>
+          <a:prstGeom prst="rect">
+            <a:avLst/>
+          </a:prstGeom>
+        </p:spPr>
+      </p:pic>
+      <p:pic>
+        <p:nvPicPr>
+          <p:cNvPr id="20" name="图片 19">
+            <a:extLst>
+              <a:ext uri="{FF2B5EF4-FFF2-40B4-BE49-F238E27FC236}">
+                <a16:creationId xmlns:a16="http://schemas.microsoft.com/office/drawing/2014/main" id="{3A7BFBF7-CDB7-44C3-85E4-8AE67C4C71FE}"/>
+              </a:ext>
+            </a:extLst>
+          </p:cNvPr>
+          <p:cNvPicPr>
+            <a:picLocks noChangeAspect="1"/>
+          </p:cNvPicPr>
+          <p:nvPr/>
+        </p:nvPicPr>
+        <p:blipFill>
+          <a:blip r:embed="rId4">
+            <a:extLst>
+              <a:ext uri="{28A0092B-C50C-407E-A947-70E740481C1C}">
+                <a14:useLocalDpi xmlns:a14="http://schemas.microsoft.com/office/drawing/2010/main" val="0"/>
+              </a:ext>
+            </a:extLst>
+          </a:blip>
+          <a:stretch>
+            <a:fillRect/>
+          </a:stretch>
+        </p:blipFill>
+        <p:spPr>
+          <a:xfrm>
+            <a:off x="5178752" y="4280857"/>
+            <a:ext cx="441326" cy="441326"/>
+          </a:xfrm>
+          <a:prstGeom prst="rect">
+            <a:avLst/>
+          </a:prstGeom>
+        </p:spPr>
+      </p:pic>
+      <p:pic>
+        <p:nvPicPr>
+          <p:cNvPr id="22" name="图片 21">
+            <a:extLst>
+              <a:ext uri="{FF2B5EF4-FFF2-40B4-BE49-F238E27FC236}">
+                <a16:creationId xmlns:a16="http://schemas.microsoft.com/office/drawing/2014/main" id="{9E578E8E-EB26-4AB8-A513-3D21FADFB3EF}"/>
+              </a:ext>
+            </a:extLst>
+          </p:cNvPr>
+          <p:cNvPicPr>
+            <a:picLocks noChangeAspect="1"/>
+          </p:cNvPicPr>
+          <p:nvPr/>
+        </p:nvPicPr>
+        <p:blipFill>
+          <a:blip r:embed="rId5">
+            <a:extLst>
+              <a:ext uri="{28A0092B-C50C-407E-A947-70E740481C1C}">
+                <a14:useLocalDpi xmlns:a14="http://schemas.microsoft.com/office/drawing/2010/main" val="0"/>
+              </a:ext>
+            </a:extLst>
+          </a:blip>
+          <a:stretch>
+            <a:fillRect/>
+          </a:stretch>
+        </p:blipFill>
+        <p:spPr>
+          <a:xfrm>
+            <a:off x="6626693" y="1785376"/>
+            <a:ext cx="331784" cy="331784"/>
+          </a:xfrm>
+          <a:prstGeom prst="rect">
+            <a:avLst/>
+          </a:prstGeom>
+        </p:spPr>
+      </p:pic>
+      <p:pic>
+        <p:nvPicPr>
+          <p:cNvPr id="26" name="图片 25">
+            <a:extLst>
+              <a:ext uri="{FF2B5EF4-FFF2-40B4-BE49-F238E27FC236}">
+                <a16:creationId xmlns:a16="http://schemas.microsoft.com/office/drawing/2014/main" id="{14E42C1C-AD85-4DE6-8D81-A85D6587E238}"/>
+              </a:ext>
+            </a:extLst>
+          </p:cNvPr>
+          <p:cNvPicPr>
+            <a:picLocks noChangeAspect="1"/>
+          </p:cNvPicPr>
+          <p:nvPr/>
+        </p:nvPicPr>
+        <p:blipFill>
+          <a:blip r:embed="rId6">
+            <a:extLst>
+              <a:ext uri="{28A0092B-C50C-407E-A947-70E740481C1C}">
+                <a14:useLocalDpi xmlns:a14="http://schemas.microsoft.com/office/drawing/2010/main" val="0"/>
+              </a:ext>
+            </a:extLst>
+          </a:blip>
+          <a:stretch>
+            <a:fillRect/>
+          </a:stretch>
+        </p:blipFill>
+        <p:spPr>
+          <a:xfrm>
+            <a:off x="5178752" y="3015139"/>
+            <a:ext cx="441326" cy="441326"/>
+          </a:xfrm>
+          <a:prstGeom prst="rect">
+            <a:avLst/>
+          </a:prstGeom>
+        </p:spPr>
+      </p:pic>
+      <p:grpSp>
+        <p:nvGrpSpPr>
+          <p:cNvPr id="38" name="组合 37">
+            <a:extLst>
+              <a:ext uri="{FF2B5EF4-FFF2-40B4-BE49-F238E27FC236}">
+                <a16:creationId xmlns:a16="http://schemas.microsoft.com/office/drawing/2014/main" id="{7746E5E5-AC58-43C4-AD0C-EC34F12846FC}"/>
+              </a:ext>
+            </a:extLst>
+          </p:cNvPr>
+          <p:cNvGrpSpPr/>
+          <p:nvPr/>
+        </p:nvGrpSpPr>
+        <p:grpSpPr>
+          <a:xfrm>
+            <a:off x="4866015" y="1749421"/>
+            <a:ext cx="2459970" cy="911788"/>
+            <a:chOff x="4782383" y="1739100"/>
+            <a:chExt cx="2459970" cy="911788"/>
+          </a:xfrm>
+        </p:grpSpPr>
+        <p:grpSp>
+          <p:nvGrpSpPr>
+            <p:cNvPr id="33" name="组合 32">
+              <a:extLst>
+                <a:ext uri="{FF2B5EF4-FFF2-40B4-BE49-F238E27FC236}">
+                  <a16:creationId xmlns:a16="http://schemas.microsoft.com/office/drawing/2014/main" id="{F30C5F15-8913-42AD-8905-226B567A813D}"/>
+                </a:ext>
+              </a:extLst>
+            </p:cNvPr>
+            <p:cNvGrpSpPr/>
+            <p:nvPr/>
+          </p:nvGrpSpPr>
+          <p:grpSpPr>
+            <a:xfrm>
+              <a:off x="4782383" y="1739100"/>
+              <a:ext cx="1066800" cy="911788"/>
+              <a:chOff x="4782383" y="1673304"/>
+              <a:chExt cx="1066800" cy="911788"/>
+            </a:xfrm>
+          </p:grpSpPr>
+          <p:pic>
+            <p:nvPicPr>
+              <p:cNvPr id="24" name="图片 23">
+                <a:extLst>
+                  <a:ext uri="{FF2B5EF4-FFF2-40B4-BE49-F238E27FC236}">
+                    <a16:creationId xmlns:a16="http://schemas.microsoft.com/office/drawing/2014/main" id="{1CCD008F-9F1A-441C-81AA-40CD398E6109}"/>
+                  </a:ext>
+                </a:extLst>
+              </p:cNvPr>
+              <p:cNvPicPr>
+                <a:picLocks noChangeAspect="1"/>
+              </p:cNvPicPr>
+              <p:nvPr/>
+            </p:nvPicPr>
+            <p:blipFill>
+              <a:blip r:embed="rId7">
+                <a:extLst>
+                  <a:ext uri="{28A0092B-C50C-407E-A947-70E740481C1C}">
+                    <a14:useLocalDpi xmlns:a14="http://schemas.microsoft.com/office/drawing/2010/main" val="0"/>
+                  </a:ext>
+                </a:extLst>
+              </a:blip>
+              <a:stretch>
+                <a:fillRect/>
+              </a:stretch>
+            </p:blipFill>
+            <p:spPr>
+              <a:xfrm>
+                <a:off x="5057062" y="1673304"/>
+                <a:ext cx="517443" cy="517443"/>
+              </a:xfrm>
+              <a:prstGeom prst="rect">
+                <a:avLst/>
+              </a:prstGeom>
+            </p:spPr>
+          </p:pic>
+          <p:sp>
+            <p:nvSpPr>
+              <p:cNvPr id="27" name="文本框 26">
+                <a:extLst>
+                  <a:ext uri="{FF2B5EF4-FFF2-40B4-BE49-F238E27FC236}">
+                    <a16:creationId xmlns:a16="http://schemas.microsoft.com/office/drawing/2014/main" id="{0759B5B5-D82F-4D68-B2E2-8361CC3304B7}"/>
+                  </a:ext>
+                </a:extLst>
+              </p:cNvPr>
+              <p:cNvSpPr txBox="1"/>
+              <p:nvPr/>
+            </p:nvSpPr>
+            <p:spPr>
+              <a:xfrm>
+                <a:off x="4782383" y="2190747"/>
+                <a:ext cx="1066800" cy="230832"/>
+              </a:xfrm>
+              <a:prstGeom prst="rect">
+                <a:avLst/>
+              </a:prstGeom>
+              <a:noFill/>
+            </p:spPr>
+            <p:txBody>
+              <a:bodyPr wrap="square" rtlCol="0">
+                <a:spAutoFit/>
+              </a:bodyPr>
+              <a:lstStyle/>
+              <a:p>
+                <a:pPr algn="ctr"/>
+                <a:r>
+                  <a:rPr lang="zh-CN" altLang="en-US" sz="900" dirty="0">
+                    <a:solidFill>
+                      <a:srgbClr val="5D4037"/>
+                    </a:solidFill>
+                    <a:latin typeface="方正粗黑宋简体" panose="02000000000000000000" pitchFamily="2" charset="-122"/>
+                    <a:ea typeface="方正粗黑宋简体" panose="02000000000000000000" pitchFamily="2" charset="-122"/>
+                  </a:rPr>
+                  <a:t>累计注册人数</a:t>
+                </a:r>
+              </a:p>
+            </p:txBody>
+          </p:sp>
+          <p:sp>
+            <p:nvSpPr>
+              <p:cNvPr id="32" name="文本框 31">
+                <a:extLst>
+                  <a:ext uri="{FF2B5EF4-FFF2-40B4-BE49-F238E27FC236}">
+                    <a16:creationId xmlns:a16="http://schemas.microsoft.com/office/drawing/2014/main" id="{2885E14B-0C13-4AC0-AF88-B69DEA5A869C}"/>
+                  </a:ext>
+                </a:extLst>
+              </p:cNvPr>
+              <p:cNvSpPr txBox="1"/>
+              <p:nvPr/>
+            </p:nvSpPr>
+            <p:spPr>
+              <a:xfrm>
+                <a:off x="4782383" y="2354260"/>
+                <a:ext cx="1066800" cy="230832"/>
+              </a:xfrm>
+              <a:prstGeom prst="rect">
+                <a:avLst/>
+              </a:prstGeom>
+              <a:noFill/>
+            </p:spPr>
+            <p:txBody>
+              <a:bodyPr wrap="square" rtlCol="0">
+                <a:spAutoFit/>
+              </a:bodyPr>
+              <a:lstStyle/>
+              <a:p>
+                <a:pPr algn="ctr"/>
+                <a:r>
+                  <a:rPr lang="en-US" altLang="zh-CN" sz="900" dirty="0">
+                    <a:solidFill>
+                      <a:srgbClr val="5D4037"/>
+                    </a:solidFill>
+                    <a:latin typeface="方正粗黑宋简体" panose="02000000000000000000" pitchFamily="2" charset="-122"/>
+                    <a:ea typeface="方正粗黑宋简体" panose="02000000000000000000" pitchFamily="2" charset="-122"/>
+                  </a:rPr>
+                  <a:t>· 57 ·</a:t>
+                </a:r>
+                <a:endParaRPr lang="zh-CN" altLang="en-US" sz="900" dirty="0">
+                  <a:solidFill>
+                    <a:srgbClr val="5D4037"/>
+                  </a:solidFill>
+                  <a:latin typeface="方正粗黑宋简体" panose="02000000000000000000" pitchFamily="2" charset="-122"/>
+                  <a:ea typeface="方正粗黑宋简体" panose="02000000000000000000" pitchFamily="2" charset="-122"/>
+                </a:endParaRPr>
+              </a:p>
+            </p:txBody>
+          </p:sp>
+        </p:grpSp>
+        <p:grpSp>
+          <p:nvGrpSpPr>
+            <p:cNvPr id="34" name="组合 33">
+              <a:extLst>
+                <a:ext uri="{FF2B5EF4-FFF2-40B4-BE49-F238E27FC236}">
+                  <a16:creationId xmlns:a16="http://schemas.microsoft.com/office/drawing/2014/main" id="{6BFA8089-E52A-4926-8C7F-6D07AE40FFFB}"/>
+                </a:ext>
+              </a:extLst>
+            </p:cNvPr>
+            <p:cNvGrpSpPr/>
+            <p:nvPr/>
+          </p:nvGrpSpPr>
+          <p:grpSpPr>
+            <a:xfrm>
+              <a:off x="6175553" y="2256543"/>
+              <a:ext cx="1066800" cy="394345"/>
+              <a:chOff x="4782383" y="2190747"/>
+              <a:chExt cx="1066800" cy="394345"/>
+            </a:xfrm>
+          </p:grpSpPr>
+          <p:sp>
+            <p:nvSpPr>
+              <p:cNvPr id="36" name="文本框 35">
+                <a:extLst>
+                  <a:ext uri="{FF2B5EF4-FFF2-40B4-BE49-F238E27FC236}">
+                    <a16:creationId xmlns:a16="http://schemas.microsoft.com/office/drawing/2014/main" id="{5598D5FD-AFF8-43B9-B134-8870C7EA04A4}"/>
+                  </a:ext>
+                </a:extLst>
+              </p:cNvPr>
+              <p:cNvSpPr txBox="1"/>
+              <p:nvPr/>
+            </p:nvSpPr>
+            <p:spPr>
+              <a:xfrm>
+                <a:off x="4782383" y="2190747"/>
+                <a:ext cx="1066800" cy="230832"/>
+              </a:xfrm>
+              <a:prstGeom prst="rect">
+                <a:avLst/>
+              </a:prstGeom>
+              <a:noFill/>
+            </p:spPr>
+            <p:txBody>
+              <a:bodyPr wrap="square" rtlCol="0">
+                <a:spAutoFit/>
+              </a:bodyPr>
+              <a:lstStyle/>
+              <a:p>
+                <a:pPr algn="ctr"/>
+                <a:r>
+                  <a:rPr lang="zh-CN" altLang="en-US" sz="900" dirty="0">
+                    <a:solidFill>
+                      <a:srgbClr val="5D4037"/>
+                    </a:solidFill>
+                    <a:latin typeface="方正粗黑宋简体" panose="02000000000000000000" pitchFamily="2" charset="-122"/>
+                    <a:ea typeface="方正粗黑宋简体" panose="02000000000000000000" pitchFamily="2" charset="-122"/>
+                  </a:rPr>
+                  <a:t>活跃用户数</a:t>
+                </a:r>
+              </a:p>
+            </p:txBody>
+          </p:sp>
+          <p:sp>
+            <p:nvSpPr>
+              <p:cNvPr id="37" name="文本框 36">
+                <a:extLst>
+                  <a:ext uri="{FF2B5EF4-FFF2-40B4-BE49-F238E27FC236}">
+                    <a16:creationId xmlns:a16="http://schemas.microsoft.com/office/drawing/2014/main" id="{2D5C623F-32EE-4966-B629-C0EE454500CF}"/>
+                  </a:ext>
+                </a:extLst>
+              </p:cNvPr>
+              <p:cNvSpPr txBox="1"/>
+              <p:nvPr/>
+            </p:nvSpPr>
+            <p:spPr>
+              <a:xfrm>
+                <a:off x="4782383" y="2354260"/>
+                <a:ext cx="1066800" cy="230832"/>
+              </a:xfrm>
+              <a:prstGeom prst="rect">
+                <a:avLst/>
+              </a:prstGeom>
+              <a:noFill/>
+            </p:spPr>
+            <p:txBody>
+              <a:bodyPr wrap="square" rtlCol="0">
+                <a:spAutoFit/>
+              </a:bodyPr>
+              <a:lstStyle/>
+              <a:p>
+                <a:pPr algn="ctr"/>
+                <a:r>
+                  <a:rPr lang="en-US" altLang="zh-CN" sz="900" dirty="0">
+                    <a:solidFill>
+                      <a:srgbClr val="5D4037"/>
+                    </a:solidFill>
+                    <a:latin typeface="方正粗黑宋简体" panose="02000000000000000000" pitchFamily="2" charset="-122"/>
+                    <a:ea typeface="方正粗黑宋简体" panose="02000000000000000000" pitchFamily="2" charset="-122"/>
+                  </a:rPr>
+                  <a:t>· 17 ·</a:t>
+                </a:r>
+                <a:endParaRPr lang="zh-CN" altLang="en-US" sz="900" dirty="0">
+                  <a:solidFill>
+                    <a:srgbClr val="5D4037"/>
+                  </a:solidFill>
+                  <a:latin typeface="方正粗黑宋简体" panose="02000000000000000000" pitchFamily="2" charset="-122"/>
+                  <a:ea typeface="方正粗黑宋简体" panose="02000000000000000000" pitchFamily="2" charset="-122"/>
+                </a:endParaRPr>
+              </a:p>
+            </p:txBody>
+          </p:sp>
+        </p:grpSp>
+      </p:grpSp>
+      <p:grpSp>
+        <p:nvGrpSpPr>
+          <p:cNvPr id="39" name="组合 38">
+            <a:extLst>
+              <a:ext uri="{FF2B5EF4-FFF2-40B4-BE49-F238E27FC236}">
+                <a16:creationId xmlns:a16="http://schemas.microsoft.com/office/drawing/2014/main" id="{31984CDD-07E0-4F35-B6A9-28E60F662151}"/>
+              </a:ext>
+            </a:extLst>
+          </p:cNvPr>
+          <p:cNvGrpSpPr/>
+          <p:nvPr/>
+        </p:nvGrpSpPr>
+        <p:grpSpPr>
+          <a:xfrm>
+            <a:off x="4866015" y="3532582"/>
+            <a:ext cx="2459970" cy="394345"/>
+            <a:chOff x="4782383" y="2256543"/>
+            <a:chExt cx="2459970" cy="394345"/>
+          </a:xfrm>
+        </p:grpSpPr>
+        <p:grpSp>
+          <p:nvGrpSpPr>
+            <p:cNvPr id="40" name="组合 39">
+              <a:extLst>
+                <a:ext uri="{FF2B5EF4-FFF2-40B4-BE49-F238E27FC236}">
+                  <a16:creationId xmlns:a16="http://schemas.microsoft.com/office/drawing/2014/main" id="{0939825F-139A-4CC5-8DF6-DC748B1AC64B}"/>
+                </a:ext>
+              </a:extLst>
+            </p:cNvPr>
+            <p:cNvGrpSpPr/>
+            <p:nvPr/>
+          </p:nvGrpSpPr>
+          <p:grpSpPr>
+            <a:xfrm>
+              <a:off x="4782383" y="2256543"/>
+              <a:ext cx="1066800" cy="394345"/>
+              <a:chOff x="4782383" y="2190747"/>
+              <a:chExt cx="1066800" cy="394345"/>
+            </a:xfrm>
+          </p:grpSpPr>
+          <p:sp>
+            <p:nvSpPr>
+              <p:cNvPr id="46" name="文本框 45">
+                <a:extLst>
+                  <a:ext uri="{FF2B5EF4-FFF2-40B4-BE49-F238E27FC236}">
+                    <a16:creationId xmlns:a16="http://schemas.microsoft.com/office/drawing/2014/main" id="{1136EB47-BBB9-474C-AC10-0F3057CBFAE5}"/>
+                  </a:ext>
+                </a:extLst>
+              </p:cNvPr>
+              <p:cNvSpPr txBox="1"/>
+              <p:nvPr/>
+            </p:nvSpPr>
+            <p:spPr>
+              <a:xfrm>
+                <a:off x="4782383" y="2190747"/>
+                <a:ext cx="1066800" cy="230832"/>
+              </a:xfrm>
+              <a:prstGeom prst="rect">
+                <a:avLst/>
+              </a:prstGeom>
+              <a:noFill/>
+            </p:spPr>
+            <p:txBody>
+              <a:bodyPr wrap="square" rtlCol="0">
+                <a:spAutoFit/>
+              </a:bodyPr>
+              <a:lstStyle/>
+              <a:p>
+                <a:pPr algn="ctr"/>
+                <a:r>
+                  <a:rPr lang="zh-CN" altLang="en-US" sz="900" dirty="0">
+                    <a:solidFill>
+                      <a:srgbClr val="5D4037"/>
+                    </a:solidFill>
+                    <a:latin typeface="方正粗黑宋简体" panose="02000000000000000000" pitchFamily="2" charset="-122"/>
+                    <a:ea typeface="方正粗黑宋简体" panose="02000000000000000000" pitchFamily="2" charset="-122"/>
+                  </a:rPr>
+                  <a:t>文章总数</a:t>
+                </a:r>
+              </a:p>
+            </p:txBody>
+          </p:sp>
+          <p:sp>
+            <p:nvSpPr>
+              <p:cNvPr id="47" name="文本框 46">
+                <a:extLst>
+                  <a:ext uri="{FF2B5EF4-FFF2-40B4-BE49-F238E27FC236}">
+                    <a16:creationId xmlns:a16="http://schemas.microsoft.com/office/drawing/2014/main" id="{4D9111E9-7851-4330-872C-4C726971A200}"/>
+                  </a:ext>
+                </a:extLst>
+              </p:cNvPr>
+              <p:cNvSpPr txBox="1"/>
+              <p:nvPr/>
+            </p:nvSpPr>
+            <p:spPr>
+              <a:xfrm>
+                <a:off x="4782383" y="2354260"/>
+                <a:ext cx="1066800" cy="230832"/>
+              </a:xfrm>
+              <a:prstGeom prst="rect">
+                <a:avLst/>
+              </a:prstGeom>
+              <a:noFill/>
+            </p:spPr>
+            <p:txBody>
+              <a:bodyPr wrap="square" rtlCol="0">
+                <a:spAutoFit/>
+              </a:bodyPr>
+              <a:lstStyle/>
+              <a:p>
+                <a:pPr algn="ctr"/>
+                <a:r>
+                  <a:rPr lang="en-US" altLang="zh-CN" sz="900" dirty="0">
+                    <a:solidFill>
+                      <a:srgbClr val="5D4037"/>
+                    </a:solidFill>
+                    <a:latin typeface="方正粗黑宋简体" panose="02000000000000000000" pitchFamily="2" charset="-122"/>
+                    <a:ea typeface="方正粗黑宋简体" panose="02000000000000000000" pitchFamily="2" charset="-122"/>
+                  </a:rPr>
+                  <a:t>· 39 ·</a:t>
+                </a:r>
+                <a:endParaRPr lang="zh-CN" altLang="en-US" sz="900" dirty="0">
+                  <a:solidFill>
+                    <a:srgbClr val="5D4037"/>
+                  </a:solidFill>
+                  <a:latin typeface="方正粗黑宋简体" panose="02000000000000000000" pitchFamily="2" charset="-122"/>
+                  <a:ea typeface="方正粗黑宋简体" panose="02000000000000000000" pitchFamily="2" charset="-122"/>
+                </a:endParaRPr>
+              </a:p>
+            </p:txBody>
+          </p:sp>
+        </p:grpSp>
+        <p:grpSp>
+          <p:nvGrpSpPr>
+            <p:cNvPr id="41" name="组合 40">
+              <a:extLst>
+                <a:ext uri="{FF2B5EF4-FFF2-40B4-BE49-F238E27FC236}">
+                  <a16:creationId xmlns:a16="http://schemas.microsoft.com/office/drawing/2014/main" id="{DC706849-E94D-4E97-9A17-294EF99FB58E}"/>
+                </a:ext>
+              </a:extLst>
+            </p:cNvPr>
+            <p:cNvGrpSpPr/>
+            <p:nvPr/>
+          </p:nvGrpSpPr>
+          <p:grpSpPr>
+            <a:xfrm>
+              <a:off x="6175553" y="2256543"/>
+              <a:ext cx="1066800" cy="394345"/>
+              <a:chOff x="4782383" y="2190747"/>
+              <a:chExt cx="1066800" cy="394345"/>
+            </a:xfrm>
+          </p:grpSpPr>
+          <p:sp>
+            <p:nvSpPr>
+              <p:cNvPr id="43" name="文本框 42">
+                <a:extLst>
+                  <a:ext uri="{FF2B5EF4-FFF2-40B4-BE49-F238E27FC236}">
+                    <a16:creationId xmlns:a16="http://schemas.microsoft.com/office/drawing/2014/main" id="{716670DB-FBF8-4545-A671-EA323DA1259C}"/>
+                  </a:ext>
+                </a:extLst>
+              </p:cNvPr>
+              <p:cNvSpPr txBox="1"/>
+              <p:nvPr/>
+            </p:nvSpPr>
+            <p:spPr>
+              <a:xfrm>
+                <a:off x="4782383" y="2190747"/>
+                <a:ext cx="1066800" cy="230832"/>
+              </a:xfrm>
+              <a:prstGeom prst="rect">
+                <a:avLst/>
+              </a:prstGeom>
+              <a:noFill/>
+            </p:spPr>
+            <p:txBody>
+              <a:bodyPr wrap="square" rtlCol="0">
+                <a:spAutoFit/>
+              </a:bodyPr>
+              <a:lstStyle/>
+              <a:p>
+                <a:pPr algn="ctr"/>
+                <a:r>
+                  <a:rPr lang="zh-CN" altLang="en-US" sz="900" dirty="0">
+                    <a:solidFill>
+                      <a:srgbClr val="5D4037"/>
+                    </a:solidFill>
+                    <a:latin typeface="方正粗黑宋简体" panose="02000000000000000000" pitchFamily="2" charset="-122"/>
+                    <a:ea typeface="方正粗黑宋简体" panose="02000000000000000000" pitchFamily="2" charset="-122"/>
+                  </a:rPr>
+                  <a:t>新增文章</a:t>
+                </a:r>
+              </a:p>
+            </p:txBody>
+          </p:sp>
+          <p:sp>
+            <p:nvSpPr>
+              <p:cNvPr id="44" name="文本框 43">
+                <a:extLst>
+                  <a:ext uri="{FF2B5EF4-FFF2-40B4-BE49-F238E27FC236}">
+                    <a16:creationId xmlns:a16="http://schemas.microsoft.com/office/drawing/2014/main" id="{B5A49291-ABB9-44DA-8AA8-F8DC21AB9E92}"/>
+                  </a:ext>
+                </a:extLst>
+              </p:cNvPr>
+              <p:cNvSpPr txBox="1"/>
+              <p:nvPr/>
+            </p:nvSpPr>
+            <p:spPr>
+              <a:xfrm>
+                <a:off x="4782383" y="2354260"/>
+                <a:ext cx="1066800" cy="230832"/>
+              </a:xfrm>
+              <a:prstGeom prst="rect">
+                <a:avLst/>
+              </a:prstGeom>
+              <a:noFill/>
+            </p:spPr>
+            <p:txBody>
+              <a:bodyPr wrap="square" rtlCol="0">
+                <a:spAutoFit/>
+              </a:bodyPr>
+              <a:lstStyle/>
+              <a:p>
+                <a:pPr algn="ctr"/>
+                <a:r>
+                  <a:rPr lang="en-US" altLang="zh-CN" sz="900" dirty="0">
+                    <a:solidFill>
+                      <a:srgbClr val="5D4037"/>
+                    </a:solidFill>
+                    <a:latin typeface="方正粗黑宋简体" panose="02000000000000000000" pitchFamily="2" charset="-122"/>
+                    <a:ea typeface="方正粗黑宋简体" panose="02000000000000000000" pitchFamily="2" charset="-122"/>
+                  </a:rPr>
+                  <a:t>· 5 ·</a:t>
+                </a:r>
+                <a:endParaRPr lang="zh-CN" altLang="en-US" sz="900" dirty="0">
+                  <a:solidFill>
+                    <a:srgbClr val="5D4037"/>
+                  </a:solidFill>
+                  <a:latin typeface="方正粗黑宋简体" panose="02000000000000000000" pitchFamily="2" charset="-122"/>
+                  <a:ea typeface="方正粗黑宋简体" panose="02000000000000000000" pitchFamily="2" charset="-122"/>
+                </a:endParaRPr>
+              </a:p>
+            </p:txBody>
+          </p:sp>
+        </p:grpSp>
+      </p:grpSp>
+      <p:grpSp>
+        <p:nvGrpSpPr>
+          <p:cNvPr id="57" name="组合 56">
+            <a:extLst>
+              <a:ext uri="{FF2B5EF4-FFF2-40B4-BE49-F238E27FC236}">
+                <a16:creationId xmlns:a16="http://schemas.microsoft.com/office/drawing/2014/main" id="{EA138390-A8E8-4AC9-ABA4-B3B6820950BE}"/>
+              </a:ext>
+            </a:extLst>
+          </p:cNvPr>
+          <p:cNvGrpSpPr/>
+          <p:nvPr/>
+        </p:nvGrpSpPr>
+        <p:grpSpPr>
+          <a:xfrm>
+            <a:off x="4866015" y="4798300"/>
+            <a:ext cx="2459970" cy="394345"/>
+            <a:chOff x="4782383" y="2256543"/>
+            <a:chExt cx="2459970" cy="394345"/>
+          </a:xfrm>
+        </p:grpSpPr>
+        <p:grpSp>
+          <p:nvGrpSpPr>
+            <p:cNvPr id="58" name="组合 57">
+              <a:extLst>
+                <a:ext uri="{FF2B5EF4-FFF2-40B4-BE49-F238E27FC236}">
+                  <a16:creationId xmlns:a16="http://schemas.microsoft.com/office/drawing/2014/main" id="{63585068-C285-427C-A236-D35F9657CBB8}"/>
+                </a:ext>
+              </a:extLst>
+            </p:cNvPr>
+            <p:cNvGrpSpPr/>
+            <p:nvPr/>
+          </p:nvGrpSpPr>
+          <p:grpSpPr>
+            <a:xfrm>
+              <a:off x="4782383" y="2256543"/>
+              <a:ext cx="1066800" cy="394345"/>
+              <a:chOff x="4782383" y="2190747"/>
+              <a:chExt cx="1066800" cy="394345"/>
+            </a:xfrm>
+          </p:grpSpPr>
+          <p:sp>
+            <p:nvSpPr>
+              <p:cNvPr id="64" name="文本框 63">
+                <a:extLst>
+                  <a:ext uri="{FF2B5EF4-FFF2-40B4-BE49-F238E27FC236}">
+                    <a16:creationId xmlns:a16="http://schemas.microsoft.com/office/drawing/2014/main" id="{B9E5B5EF-6DBE-448F-9DA9-D9A56E0477FE}"/>
+                  </a:ext>
+                </a:extLst>
+              </p:cNvPr>
+              <p:cNvSpPr txBox="1"/>
+              <p:nvPr/>
+            </p:nvSpPr>
+            <p:spPr>
+              <a:xfrm>
+                <a:off x="4782383" y="2190747"/>
+                <a:ext cx="1066800" cy="230832"/>
+              </a:xfrm>
+              <a:prstGeom prst="rect">
+                <a:avLst/>
+              </a:prstGeom>
+              <a:noFill/>
+            </p:spPr>
+            <p:txBody>
+              <a:bodyPr wrap="square" rtlCol="0">
+                <a:spAutoFit/>
+              </a:bodyPr>
+              <a:lstStyle/>
+              <a:p>
+                <a:pPr algn="ctr"/>
+                <a:r>
+                  <a:rPr lang="zh-CN" altLang="en-US" sz="900" dirty="0">
+                    <a:solidFill>
+                      <a:srgbClr val="5D4037"/>
+                    </a:solidFill>
+                    <a:latin typeface="方正粗黑宋简体" panose="02000000000000000000" pitchFamily="2" charset="-122"/>
+                    <a:ea typeface="方正粗黑宋简体" panose="02000000000000000000" pitchFamily="2" charset="-122"/>
+                  </a:rPr>
+                  <a:t>用户活跃度</a:t>
+                </a:r>
+              </a:p>
+            </p:txBody>
+          </p:sp>
+          <p:sp>
+            <p:nvSpPr>
+              <p:cNvPr id="65" name="文本框 64">
+                <a:extLst>
+                  <a:ext uri="{FF2B5EF4-FFF2-40B4-BE49-F238E27FC236}">
+                    <a16:creationId xmlns:a16="http://schemas.microsoft.com/office/drawing/2014/main" id="{E4AC594B-BF6C-4353-8A71-C153AFBA9E20}"/>
+                  </a:ext>
+                </a:extLst>
+              </p:cNvPr>
+              <p:cNvSpPr txBox="1"/>
+              <p:nvPr/>
+            </p:nvSpPr>
+            <p:spPr>
+              <a:xfrm>
+                <a:off x="4782383" y="2354260"/>
+                <a:ext cx="1066800" cy="230832"/>
+              </a:xfrm>
+              <a:prstGeom prst="rect">
+                <a:avLst/>
+              </a:prstGeom>
+              <a:noFill/>
+            </p:spPr>
+            <p:txBody>
+              <a:bodyPr wrap="square" rtlCol="0">
+                <a:spAutoFit/>
+              </a:bodyPr>
+              <a:lstStyle/>
+              <a:p>
+                <a:pPr algn="ctr"/>
+                <a:r>
+                  <a:rPr lang="en-US" altLang="zh-CN" sz="900" dirty="0">
+                    <a:solidFill>
+                      <a:srgbClr val="5D4037"/>
+                    </a:solidFill>
+                    <a:latin typeface="方正粗黑宋简体" panose="02000000000000000000" pitchFamily="2" charset="-122"/>
+                    <a:ea typeface="方正粗黑宋简体" panose="02000000000000000000" pitchFamily="2" charset="-122"/>
+                  </a:rPr>
+                  <a:t>· 52 ·</a:t>
+                </a:r>
+                <a:endParaRPr lang="zh-CN" altLang="en-US" sz="900" dirty="0">
+                  <a:solidFill>
+                    <a:srgbClr val="5D4037"/>
+                  </a:solidFill>
+                  <a:latin typeface="方正粗黑宋简体" panose="02000000000000000000" pitchFamily="2" charset="-122"/>
+                  <a:ea typeface="方正粗黑宋简体" panose="02000000000000000000" pitchFamily="2" charset="-122"/>
+                </a:endParaRPr>
+              </a:p>
+            </p:txBody>
+          </p:sp>
+        </p:grpSp>
+        <p:grpSp>
+          <p:nvGrpSpPr>
+            <p:cNvPr id="59" name="组合 58">
+              <a:extLst>
+                <a:ext uri="{FF2B5EF4-FFF2-40B4-BE49-F238E27FC236}">
+                  <a16:creationId xmlns:a16="http://schemas.microsoft.com/office/drawing/2014/main" id="{FCE7E7F2-DBED-471A-B6FF-516AC6FE6DCC}"/>
+                </a:ext>
+              </a:extLst>
+            </p:cNvPr>
+            <p:cNvGrpSpPr/>
+            <p:nvPr/>
+          </p:nvGrpSpPr>
+          <p:grpSpPr>
+            <a:xfrm>
+              <a:off x="6175553" y="2256543"/>
+              <a:ext cx="1066800" cy="394345"/>
+              <a:chOff x="4782383" y="2190747"/>
+              <a:chExt cx="1066800" cy="394345"/>
+            </a:xfrm>
+          </p:grpSpPr>
+          <p:sp>
+            <p:nvSpPr>
+              <p:cNvPr id="61" name="文本框 60">
+                <a:extLst>
+                  <a:ext uri="{FF2B5EF4-FFF2-40B4-BE49-F238E27FC236}">
+                    <a16:creationId xmlns:a16="http://schemas.microsoft.com/office/drawing/2014/main" id="{87BE69DF-ED95-4BC6-9B08-10050E817B2B}"/>
+                  </a:ext>
+                </a:extLst>
+              </p:cNvPr>
+              <p:cNvSpPr txBox="1"/>
+              <p:nvPr/>
+            </p:nvSpPr>
+            <p:spPr>
+              <a:xfrm>
+                <a:off x="4782383" y="2190747"/>
+                <a:ext cx="1066800" cy="230832"/>
+              </a:xfrm>
+              <a:prstGeom prst="rect">
+                <a:avLst/>
+              </a:prstGeom>
+              <a:noFill/>
+            </p:spPr>
+            <p:txBody>
+              <a:bodyPr wrap="square" rtlCol="0">
+                <a:spAutoFit/>
+              </a:bodyPr>
+              <a:lstStyle/>
+              <a:p>
+                <a:pPr algn="ctr"/>
+                <a:r>
+                  <a:rPr lang="zh-CN" altLang="en-US" sz="900" dirty="0">
+                    <a:solidFill>
+                      <a:srgbClr val="5D4037"/>
+                    </a:solidFill>
+                    <a:latin typeface="方正粗黑宋简体" panose="02000000000000000000" pitchFamily="2" charset="-122"/>
+                    <a:ea typeface="方正粗黑宋简体" panose="02000000000000000000" pitchFamily="2" charset="-122"/>
+                  </a:rPr>
+                  <a:t>今日阅读量</a:t>
+                </a:r>
+              </a:p>
+            </p:txBody>
+          </p:sp>
+          <p:sp>
+            <p:nvSpPr>
+              <p:cNvPr id="62" name="文本框 61">
+                <a:extLst>
+                  <a:ext uri="{FF2B5EF4-FFF2-40B4-BE49-F238E27FC236}">
+                    <a16:creationId xmlns:a16="http://schemas.microsoft.com/office/drawing/2014/main" id="{AD990EC8-0712-4BCF-B39E-46FB9308E3D0}"/>
+                  </a:ext>
+                </a:extLst>
+              </p:cNvPr>
+              <p:cNvSpPr txBox="1"/>
+              <p:nvPr/>
+            </p:nvSpPr>
+            <p:spPr>
+              <a:xfrm>
+                <a:off x="4782383" y="2354260"/>
+                <a:ext cx="1066800" cy="230832"/>
+              </a:xfrm>
+              <a:prstGeom prst="rect">
+                <a:avLst/>
+              </a:prstGeom>
+              <a:noFill/>
+            </p:spPr>
+            <p:txBody>
+              <a:bodyPr wrap="square" rtlCol="0">
+                <a:spAutoFit/>
+              </a:bodyPr>
+              <a:lstStyle/>
+              <a:p>
+                <a:pPr algn="ctr"/>
+                <a:r>
+                  <a:rPr lang="en-US" altLang="zh-CN" sz="900" dirty="0">
+                    <a:solidFill>
+                      <a:srgbClr val="5D4037"/>
+                    </a:solidFill>
+                    <a:latin typeface="方正粗黑宋简体" panose="02000000000000000000" pitchFamily="2" charset="-122"/>
+                    <a:ea typeface="方正粗黑宋简体" panose="02000000000000000000" pitchFamily="2" charset="-122"/>
+                  </a:rPr>
+                  <a:t>· 43 ·</a:t>
+                </a:r>
+                <a:endParaRPr lang="zh-CN" altLang="en-US" sz="900" dirty="0">
+                  <a:solidFill>
+                    <a:srgbClr val="5D4037"/>
+                  </a:solidFill>
+                  <a:latin typeface="方正粗黑宋简体" panose="02000000000000000000" pitchFamily="2" charset="-122"/>
+                  <a:ea typeface="方正粗黑宋简体" panose="02000000000000000000" pitchFamily="2" charset="-122"/>
+                </a:endParaRPr>
+              </a:p>
+            </p:txBody>
+          </p:sp>
+        </p:grpSp>
+      </p:grpSp>
+      <p:pic>
+        <p:nvPicPr>
+          <p:cNvPr id="67" name="图片 66">
+            <a:extLst>
+              <a:ext uri="{FF2B5EF4-FFF2-40B4-BE49-F238E27FC236}">
+                <a16:creationId xmlns:a16="http://schemas.microsoft.com/office/drawing/2014/main" id="{73AFA26E-949E-494D-B1D2-D69BC526966F}"/>
+              </a:ext>
+            </a:extLst>
+          </p:cNvPr>
+          <p:cNvPicPr>
+            <a:picLocks noChangeAspect="1"/>
+          </p:cNvPicPr>
+          <p:nvPr/>
+        </p:nvPicPr>
+        <p:blipFill>
+          <a:blip r:embed="rId8">
+            <a:extLst>
+              <a:ext uri="{28A0092B-C50C-407E-A947-70E740481C1C}">
+                <a14:useLocalDpi xmlns:a14="http://schemas.microsoft.com/office/drawing/2010/main" val="0"/>
+              </a:ext>
+            </a:extLst>
+          </a:blip>
+          <a:stretch>
+            <a:fillRect/>
+          </a:stretch>
+        </p:blipFill>
+        <p:spPr>
+          <a:xfrm>
+            <a:off x="6535266" y="4280857"/>
+            <a:ext cx="514637" cy="514637"/>
+          </a:xfrm>
+          <a:prstGeom prst="rect">
+            <a:avLst/>
+          </a:prstGeom>
+        </p:spPr>
+      </p:pic>
+    </p:spTree>
+    <p:extLst>
+      <p:ext uri="{BB962C8B-B14F-4D97-AF65-F5344CB8AC3E}">
+        <p14:creationId xmlns:p14="http://schemas.microsoft.com/office/powerpoint/2010/main" val="3906142221"/>
       </p:ext>
     </p:extLst>
   </p:cSld>
